--- a/MIP_Článok_Prezentácia.pptx
+++ b/MIP_Článok_Prezentácia.pptx
@@ -112,6 +112,11 @@
       </a:defRPr>
     </a:lvl9pPr>
   </p:defaultTextStyle>
+  <p:extLst>
+    <p:ext uri="{EFAFB233-063F-42B5-8137-9DF3F51BA10A}">
+      <p15:sldGuideLst xmlns:p15="http://schemas.microsoft.com/office/powerpoint/2012/main"/>
+    </p:ext>
+  </p:extLst>
 </p:presentation>
 </file>
 
@@ -271,7 +276,7 @@
           <a:p>
             <a:fld id="{02AC24A9-CCB6-4F8D-B8DB-C2F3692CFA5A}" type="datetimeFigureOut">
               <a:rPr lang="en-US" smtClean="0"/>
-              <a:t>11/9/22</a:t>
+              <a:t>11/18/22</a:t>
             </a:fld>
             <a:endParaRPr lang="en-US" dirty="0"/>
           </a:p>
@@ -641,7 +646,7 @@
           <a:p>
             <a:fld id="{02AC24A9-CCB6-4F8D-B8DB-C2F3692CFA5A}" type="datetimeFigureOut">
               <a:rPr lang="en-US" smtClean="0"/>
-              <a:t>11/9/22</a:t>
+              <a:t>11/18/22</a:t>
             </a:fld>
             <a:endParaRPr lang="en-US"/>
           </a:p>
@@ -850,7 +855,7 @@
           <a:p>
             <a:fld id="{02AC24A9-CCB6-4F8D-B8DB-C2F3692CFA5A}" type="datetimeFigureOut">
               <a:rPr lang="en-US" smtClean="0"/>
-              <a:t>11/9/22</a:t>
+              <a:t>11/18/22</a:t>
             </a:fld>
             <a:endParaRPr lang="en-US"/>
           </a:p>
@@ -1320,7 +1325,7 @@
           <a:p>
             <a:fld id="{02AC24A9-CCB6-4F8D-B8DB-C2F3692CFA5A}" type="datetimeFigureOut">
               <a:rPr lang="en-US" smtClean="0"/>
-              <a:t>11/9/22</a:t>
+              <a:t>11/18/22</a:t>
             </a:fld>
             <a:endParaRPr lang="en-US"/>
           </a:p>
@@ -1774,7 +1779,7 @@
           <a:p>
             <a:fld id="{02AC24A9-CCB6-4F8D-B8DB-C2F3692CFA5A}" type="datetimeFigureOut">
               <a:rPr lang="en-US" smtClean="0"/>
-              <a:t>11/9/22</a:t>
+              <a:t>11/18/22</a:t>
             </a:fld>
             <a:endParaRPr lang="en-US"/>
           </a:p>
@@ -2306,7 +2311,7 @@
           <a:p>
             <a:fld id="{02AC24A9-CCB6-4F8D-B8DB-C2F3692CFA5A}" type="datetimeFigureOut">
               <a:rPr lang="en-US" smtClean="0"/>
-              <a:t>11/9/22</a:t>
+              <a:t>11/18/22</a:t>
             </a:fld>
             <a:endParaRPr lang="en-US"/>
           </a:p>
@@ -3005,7 +3010,7 @@
           <a:p>
             <a:fld id="{02AC24A9-CCB6-4F8D-B8DB-C2F3692CFA5A}" type="datetimeFigureOut">
               <a:rPr lang="en-US" smtClean="0"/>
-              <a:t>11/9/22</a:t>
+              <a:t>11/18/22</a:t>
             </a:fld>
             <a:endParaRPr lang="en-US"/>
           </a:p>
@@ -3334,7 +3339,7 @@
           <a:p>
             <a:fld id="{02AC24A9-CCB6-4F8D-B8DB-C2F3692CFA5A}" type="datetimeFigureOut">
               <a:rPr lang="en-US" smtClean="0"/>
-              <a:t>11/9/22</a:t>
+              <a:t>11/18/22</a:t>
             </a:fld>
             <a:endParaRPr lang="en-US"/>
           </a:p>
@@ -3447,7 +3452,7 @@
           <a:p>
             <a:fld id="{02AC24A9-CCB6-4F8D-B8DB-C2F3692CFA5A}" type="datetimeFigureOut">
               <a:rPr lang="en-US" smtClean="0"/>
-              <a:t>11/9/22</a:t>
+              <a:t>11/18/22</a:t>
             </a:fld>
             <a:endParaRPr lang="en-US"/>
           </a:p>
@@ -3942,7 +3947,7 @@
           <a:p>
             <a:fld id="{02AC24A9-CCB6-4F8D-B8DB-C2F3692CFA5A}" type="datetimeFigureOut">
               <a:rPr lang="en-US" smtClean="0"/>
-              <a:t>11/9/22</a:t>
+              <a:t>11/18/22</a:t>
             </a:fld>
             <a:endParaRPr lang="en-US" dirty="0"/>
           </a:p>
@@ -4419,7 +4424,7 @@
           <a:p>
             <a:fld id="{02AC24A9-CCB6-4F8D-B8DB-C2F3692CFA5A}" type="datetimeFigureOut">
               <a:rPr lang="en-US" smtClean="0"/>
-              <a:t>11/9/22</a:t>
+              <a:t>11/18/22</a:t>
             </a:fld>
             <a:endParaRPr lang="en-US"/>
           </a:p>
@@ -4662,7 +4667,7 @@
           <a:p>
             <a:fld id="{02AC24A9-CCB6-4F8D-B8DB-C2F3692CFA5A}" type="datetimeFigureOut">
               <a:rPr lang="en-US" smtClean="0"/>
-              <a:t>11/9/22</a:t>
+              <a:t>11/18/22</a:t>
             </a:fld>
             <a:endParaRPr lang="en-US"/>
           </a:p>
@@ -6131,7 +6136,10 @@
           </a:bodyPr>
           <a:lstStyle/>
           <a:p>
-            <a:endParaRPr lang="sk-SK" sz="5000"/>
+            <a:r>
+              <a:rPr lang="sk-SK" sz="5000" dirty="0"/>
+              <a:t>Moderné pokroky v oblasti hier pre zdravie</a:t>
+            </a:r>
           </a:p>
         </p:txBody>
       </p:sp>
@@ -6344,11 +6352,48 @@
         </p:spPr>
         <p:txBody>
           <a:bodyPr>
-            <a:normAutofit/>
+            <a:normAutofit fontScale="92500" lnSpcReduction="20000"/>
           </a:bodyPr>
           <a:lstStyle/>
           <a:p>
-            <a:endParaRPr lang="sk-SK" sz="2000"/>
+            <a:r>
+              <a:rPr lang="sk-SK" sz="2000" dirty="0"/>
+              <a:t>Vývoj a testovanie prebieha v širokom spektre chorôb na prevenciu a liečbu zdravotných problémov.</a:t>
+            </a:r>
+          </a:p>
+          <a:p>
+            <a:r>
+              <a:rPr lang="sk-SK" sz="2000" dirty="0"/>
+              <a:t>Množstvo výskumov zameraných na zdravotný stav -&gt; cystická fibróza, liečba bolesti, </a:t>
+            </a:r>
+            <a:r>
+              <a:rPr lang="sk-SK" sz="2000" dirty="0" err="1"/>
+              <a:t>Parkinsonova</a:t>
+            </a:r>
+            <a:r>
+              <a:rPr lang="sk-SK" sz="2000" dirty="0"/>
+              <a:t> choroba , obezita.</a:t>
+            </a:r>
+          </a:p>
+          <a:p>
+            <a:r>
+              <a:rPr lang="sk-SK" sz="2000" dirty="0"/>
+              <a:t>Taktiež rôzne psychické choroby a rehabilitácie -&gt; </a:t>
+            </a:r>
+            <a:r>
+              <a:rPr lang="sk-SK" sz="2000" dirty="0" err="1"/>
+              <a:t>depresia,posttraumatická</a:t>
+            </a:r>
+            <a:r>
+              <a:rPr lang="sk-SK" sz="2000" dirty="0"/>
+              <a:t> stresová porucha , mŕtvica.</a:t>
+            </a:r>
+          </a:p>
+          <a:p>
+            <a:r>
+              <a:rPr lang="sk-SK" sz="2000" dirty="0"/>
+              <a:t>Sociálne problémy, s ktorými sa ľudstvo stretáva každý deň , násilie , šikanovanie , rasové predsudky.</a:t>
+            </a:r>
           </a:p>
         </p:txBody>
       </p:sp>
@@ -6473,7 +6518,7 @@
         </p:blipFill>
         <p:spPr>
           <a:xfrm>
-            <a:off x="20" y="10"/>
+            <a:off x="0" y="344394"/>
             <a:ext cx="12191979" cy="6857990"/>
           </a:xfrm>
           <a:prstGeom prst="rect">
@@ -6509,7 +6554,10 @@
           </a:bodyPr>
           <a:lstStyle/>
           <a:p>
-            <a:endParaRPr lang="sk-SK" sz="5000"/>
+            <a:r>
+              <a:rPr lang="sk-SK" sz="5000" dirty="0"/>
+              <a:t>Modifikácia hier pre zdravie v oblastiach bežného života</a:t>
+            </a:r>
           </a:p>
         </p:txBody>
       </p:sp>
@@ -6722,11 +6770,56 @@
         </p:spPr>
         <p:txBody>
           <a:bodyPr>
-            <a:normAutofit/>
+            <a:normAutofit fontScale="77500" lnSpcReduction="20000"/>
           </a:bodyPr>
           <a:lstStyle/>
           <a:p>
-            <a:endParaRPr lang="sk-SK" sz="2000"/>
+            <a:r>
+              <a:rPr lang="sk-SK" sz="2000" dirty="0"/>
+              <a:t>Hry ako forma edukácie prospešná pre vývoj dieťaťa</a:t>
+            </a:r>
+          </a:p>
+          <a:p>
+            <a:r>
+              <a:rPr lang="sk-SK" sz="2000" dirty="0"/>
+              <a:t>Forma rekreácia.</a:t>
+            </a:r>
+          </a:p>
+          <a:p>
+            <a:r>
+              <a:rPr lang="sk-SK" sz="2000" dirty="0"/>
+              <a:t>Naučenie plnenia pravidiel , plnenia cieľov, výziev.</a:t>
+            </a:r>
+          </a:p>
+          <a:p>
+            <a:r>
+              <a:rPr lang="sk-SK" sz="2000" dirty="0"/>
+              <a:t>Seriózne hry mimo zábavy vnášajú do života iný účel.</a:t>
+            </a:r>
+          </a:p>
+          <a:p>
+            <a:r>
+              <a:rPr lang="sk-SK" sz="2000" dirty="0"/>
+              <a:t>Herný dizajn ponúka mimo iného i prvky herného dizajnu, ktoré sú atraktívne pre rôzne vekové skupiny.</a:t>
+            </a:r>
+          </a:p>
+          <a:p>
+            <a:r>
+              <a:rPr lang="sk-SK" sz="2000" dirty="0"/>
+              <a:t>Základné prvky herného dizajnu -&gt; interaktivita , spätná väzba.</a:t>
+            </a:r>
+          </a:p>
+          <a:p>
+            <a:r>
+              <a:rPr lang="sk-SK" sz="2000" dirty="0"/>
+              <a:t>Možnosť vyberania si identity, pomocou ktorej hráči získajú schopnosť stať sa hernou postavou a vytvoriť si vzťah a prepojenie s inými postavami v hre.</a:t>
+            </a:r>
+          </a:p>
+          <a:p>
+            <a:pPr marL="0" indent="0">
+              <a:buNone/>
+            </a:pPr>
+            <a:endParaRPr lang="sk-SK" sz="2000" dirty="0"/>
           </a:p>
         </p:txBody>
       </p:sp>
@@ -6851,7 +6944,7 @@
         </p:blipFill>
         <p:spPr>
           <a:xfrm>
-            <a:off x="20" y="10"/>
+            <a:off x="21" y="344394"/>
             <a:ext cx="12191979" cy="6857990"/>
           </a:xfrm>
           <a:prstGeom prst="rect">
@@ -6887,7 +6980,10 @@
           </a:bodyPr>
           <a:lstStyle/>
           <a:p>
-            <a:endParaRPr lang="sk-SK" sz="5000"/>
+            <a:r>
+              <a:rPr lang="sk-SK" sz="5000" dirty="0"/>
+              <a:t>Modifikácia hier pre zdravie v oblastiach bežného života</a:t>
+            </a:r>
           </a:p>
         </p:txBody>
       </p:sp>
@@ -7100,11 +7196,93 @@
         </p:spPr>
         <p:txBody>
           <a:bodyPr>
-            <a:normAutofit/>
+            <a:normAutofit fontScale="55000" lnSpcReduction="20000"/>
           </a:bodyPr>
           <a:lstStyle/>
           <a:p>
-            <a:endParaRPr lang="sk-SK" sz="2000"/>
+            <a:r>
+              <a:rPr lang="sk-SK" sz="2100" dirty="0"/>
+              <a:t>Hry pre zdravie na zvýšenie vedomostí</a:t>
+            </a:r>
+          </a:p>
+          <a:p>
+            <a:r>
+              <a:rPr lang="sk-SK" sz="2100" dirty="0"/>
+              <a:t>Prepojenie </a:t>
+            </a:r>
+            <a:r>
+              <a:rPr lang="sk-SK" sz="2100" dirty="0" err="1"/>
+              <a:t>zážitkových,herných</a:t>
+            </a:r>
+            <a:r>
+              <a:rPr lang="sk-SK" sz="2100" dirty="0"/>
+              <a:t>, a </a:t>
+            </a:r>
+            <a:r>
+              <a:rPr lang="sk-SK" sz="2100" dirty="0" err="1"/>
+              <a:t>vedomostných</a:t>
+            </a:r>
+            <a:r>
+              <a:rPr lang="sk-SK" sz="2100" dirty="0"/>
+              <a:t> aspektov -&gt; jedna z najlepších foriem učenia vôbec pre zapojenie študentov do akademických , </a:t>
+            </a:r>
+            <a:r>
+              <a:rPr lang="sk-SK" sz="2100" dirty="0" err="1"/>
+              <a:t>zdravotných</a:t>
+            </a:r>
+            <a:r>
+              <a:rPr lang="sk-SK" sz="2100" dirty="0"/>
+              <a:t> a spoločenských </a:t>
+            </a:r>
+            <a:r>
+              <a:rPr lang="sk-SK" sz="2100" dirty="0" err="1"/>
+              <a:t>tématických</a:t>
+            </a:r>
+            <a:r>
+              <a:rPr lang="sk-SK" sz="2100" dirty="0"/>
+              <a:t> oblastí.</a:t>
+            </a:r>
+          </a:p>
+          <a:p>
+            <a:r>
+              <a:rPr lang="sk-SK" sz="2100" dirty="0"/>
+              <a:t>Umožňujú študentom lepšiu edukáciu ako tradičná výučba z hľadiska zapamätania si informácií..</a:t>
+            </a:r>
+          </a:p>
+          <a:p>
+            <a:r>
+              <a:rPr lang="sk-SK" sz="2100" dirty="0"/>
+              <a:t>Vážne hry boli z hľadiska zapamätania informácií obzvlášť motivujúce pre študentov so slabými až mierne priemernými výsledkami, avšak toto samotné zvýšenie vedomostí nemusí viesť ku zlepšeniu zdravotného stavu.</a:t>
+            </a:r>
+          </a:p>
+          <a:p>
+            <a:r>
+              <a:rPr lang="sk-SK" sz="2100" dirty="0"/>
+              <a:t>Napriek tomu , že herné výučbové technológie nie sú príliš rozšírené , väčšina učiteľov využíva hry na skvalitnenie vzdelania svojich žiakov aspoň raz týždenne.</a:t>
+            </a:r>
+          </a:p>
+          <a:p>
+            <a:r>
+              <a:rPr lang="sk-SK" sz="2100" dirty="0"/>
+              <a:t>Medzi prvoradé prekážky využívania hier na edukáciu patrí najmä nedostatok času, vysoké náklady a nedostatok technologických prostriedkov v triedach.</a:t>
+            </a:r>
+          </a:p>
+          <a:p>
+            <a:r>
+              <a:rPr lang="sk-SK" sz="2100" dirty="0"/>
+              <a:t>Dopomáhajú tomu i normy a požiadavky, ktoré vývojárom hier sťažujú </a:t>
+            </a:r>
+            <a:r>
+              <a:rPr lang="sk-SK" sz="2100" dirty="0" err="1"/>
+              <a:t>DevOps</a:t>
+            </a:r>
+            <a:r>
+              <a:rPr lang="sk-SK" sz="2100" dirty="0"/>
+              <a:t> hier určených na výučbu. </a:t>
+            </a:r>
+          </a:p>
+          <a:p>
+            <a:endParaRPr lang="sk-SK" sz="2000" dirty="0"/>
           </a:p>
         </p:txBody>
       </p:sp>
@@ -7229,7 +7407,7 @@
         </p:blipFill>
         <p:spPr>
           <a:xfrm>
-            <a:off x="20" y="10"/>
+            <a:off x="0" y="332519"/>
             <a:ext cx="12191979" cy="6857990"/>
           </a:xfrm>
           <a:prstGeom prst="rect">
@@ -7265,7 +7443,10 @@
           </a:bodyPr>
           <a:lstStyle/>
           <a:p>
-            <a:endParaRPr lang="sk-SK" sz="5000"/>
+            <a:r>
+              <a:rPr lang="sk-SK" sz="5000" dirty="0"/>
+              <a:t>Modifikácia hier pre zdravie v oblastiach bežného života</a:t>
+            </a:r>
           </a:p>
         </p:txBody>
       </p:sp>
@@ -7478,11 +7659,80 @@
         </p:spPr>
         <p:txBody>
           <a:bodyPr>
-            <a:normAutofit/>
+            <a:noAutofit/>
           </a:bodyPr>
           <a:lstStyle/>
           <a:p>
-            <a:endParaRPr lang="sk-SK" sz="2000"/>
+            <a:r>
+              <a:rPr lang="sk-SK" sz="1200" dirty="0"/>
+              <a:t>Hry pre zdravie spôsobujúce zmeny správania</a:t>
+            </a:r>
+          </a:p>
+          <a:p>
+            <a:r>
+              <a:rPr lang="sk-SK" sz="1200" dirty="0"/>
+              <a:t>Z výsledkov nedávnej metaanalýzy 64 hier propagujúcich zdravý životný štýl vyplýva, že všetky mali významný vplyv na správanie a dokonca i na zdravotné výsledky ich používateľov.</a:t>
+            </a:r>
+          </a:p>
+          <a:p>
+            <a:r>
+              <a:rPr lang="sk-SK" sz="1200" dirty="0"/>
+              <a:t>Príkladom boli videohry na vzdelávanie o cukrovke, ktoré mali pozitívny vplyv na vedomosti, zvládanie ochorenia a zlepšenie klinických výsledkov.</a:t>
+            </a:r>
+          </a:p>
+          <a:p>
+            <a:r>
+              <a:rPr lang="sk-SK" sz="1200" dirty="0"/>
+              <a:t>Využitie virtuálnej reality a videohier na rehabilitáciu po úraze mozgu a hlavy zaznamenalo pozitívne výsledky v oblasti rovnováhy, funkcií horných končatín a rôznych testov kognitívnych funkcií. </a:t>
+            </a:r>
+          </a:p>
+          <a:p>
+            <a:r>
+              <a:rPr lang="sk-SK" sz="1200" dirty="0"/>
+              <a:t>Využitie moderných metód liečby pomocou hier malo za následok pozitívnejšie výsledky ako využitie tradičnej terapie.</a:t>
+            </a:r>
+          </a:p>
+          <a:p>
+            <a:r>
+              <a:rPr lang="sk-SK" sz="1200" dirty="0"/>
+              <a:t>Systematický prehľad vykonaný šesťdesiatimi štyrmi štúdiami hier na terapeutické použitie odhalil sľubné výsledky zlepšenia zdravia pacientov a ich </a:t>
+            </a:r>
+            <a:r>
+              <a:rPr lang="sk-SK" sz="1200" dirty="0" err="1"/>
+              <a:t>rehabiltáciu</a:t>
+            </a:r>
+            <a:r>
+              <a:rPr lang="sk-SK" sz="1200" dirty="0"/>
+              <a:t>.</a:t>
+            </a:r>
+          </a:p>
+          <a:p>
+            <a:r>
+              <a:rPr lang="sk-SK" sz="1200" dirty="0"/>
+              <a:t>Taktiež u pacientov trpiacich </a:t>
+            </a:r>
+            <a:r>
+              <a:rPr lang="sk-SK" sz="1200" dirty="0" err="1"/>
+              <a:t>obezitov</a:t>
+            </a:r>
+            <a:r>
+              <a:rPr lang="sk-SK" sz="1200" dirty="0"/>
+              <a:t> boli u viac ako 40% zaznamenané pozitívne výsledky súvisiace s </a:t>
+            </a:r>
+            <a:r>
+              <a:rPr lang="sk-SK" sz="1200" dirty="0" err="1"/>
+              <a:t>adipozitou</a:t>
+            </a:r>
+            <a:r>
+              <a:rPr lang="sk-SK" sz="1200" dirty="0"/>
+              <a:t>.</a:t>
+            </a:r>
+          </a:p>
+          <a:p>
+            <a:r>
+              <a:rPr lang="sk-SK" sz="1200" dirty="0"/>
+              <a:t>Mnohé štúdie teda potvrdzujú značnú účinnosť hier pri ovplyvňovaní vedomostí, správania a zdravotných výsledkov. </a:t>
+            </a:r>
           </a:p>
         </p:txBody>
       </p:sp>
@@ -7607,7 +7857,7 @@
         </p:blipFill>
         <p:spPr>
           <a:xfrm>
-            <a:off x="20" y="10"/>
+            <a:off x="21" y="344395"/>
             <a:ext cx="12191979" cy="6857990"/>
           </a:xfrm>
           <a:prstGeom prst="rect">
@@ -7643,7 +7893,10 @@
           </a:bodyPr>
           <a:lstStyle/>
           <a:p>
-            <a:endParaRPr lang="sk-SK" sz="5000"/>
+            <a:r>
+              <a:rPr lang="sk-SK" sz="5000" dirty="0"/>
+              <a:t>Modifikácia hier pre zdravie v oblastiach bežného života</a:t>
+            </a:r>
           </a:p>
         </p:txBody>
       </p:sp>
@@ -7856,11 +8109,98 @@
         </p:spPr>
         <p:txBody>
           <a:bodyPr>
-            <a:normAutofit/>
+            <a:noAutofit/>
           </a:bodyPr>
           <a:lstStyle/>
           <a:p>
-            <a:endParaRPr lang="sk-SK" sz="2000"/>
+            <a:r>
+              <a:rPr lang="sk-SK" sz="1200" dirty="0"/>
+              <a:t>Hry pre zdravie , ktoré zahŕňajú fyzickú aktivitu</a:t>
+            </a:r>
+          </a:p>
+          <a:p>
+            <a:r>
+              <a:rPr lang="sk-SK" sz="1200" dirty="0" err="1"/>
+              <a:t>Exergames</a:t>
+            </a:r>
+            <a:r>
+              <a:rPr lang="sk-SK" sz="1200" dirty="0"/>
+              <a:t> sú hry, ktoré si vyžadujú na ich hranie a pokrok vykonávať fyzickú aktivitu.</a:t>
+            </a:r>
+          </a:p>
+          <a:p>
+            <a:r>
+              <a:rPr lang="sk-SK" sz="1200" dirty="0"/>
+              <a:t>So stúpajúcim záujmom o zdravý životný štýl sa o tento typ hier prejavil značný záujem.</a:t>
+            </a:r>
+          </a:p>
+          <a:p>
+            <a:r>
+              <a:rPr lang="sk-SK" sz="1200" dirty="0"/>
+              <a:t>Tanečné hry, ktoré sa najskôr vyskytovali iba v herniach sa pomocou </a:t>
+            </a:r>
+            <a:r>
+              <a:rPr lang="sk-SK" sz="1200" dirty="0" err="1"/>
+              <a:t>snímačou</a:t>
+            </a:r>
+            <a:r>
+              <a:rPr lang="sk-SK" sz="1200" dirty="0"/>
+              <a:t> hornej časti tela a podložky dolnej časti tela , ktoré zachytávajú pomocou AI pohyby končatín , začali vyskytovať i v bežných domácnostiach</a:t>
+            </a:r>
+          </a:p>
+          <a:p>
+            <a:r>
+              <a:rPr lang="sk-SK" sz="1200" dirty="0"/>
+              <a:t>.Energetický výdaj pri týchto hrách bol značne vyšší ako pri hrách so sedavým charakterom.</a:t>
+            </a:r>
+          </a:p>
+          <a:p>
+            <a:r>
+              <a:rPr lang="sk-SK" sz="1200" dirty="0"/>
+              <a:t>Začlenenie </a:t>
+            </a:r>
+            <a:r>
+              <a:rPr lang="sk-SK" sz="1200" dirty="0" err="1"/>
+              <a:t>exergames</a:t>
+            </a:r>
+            <a:r>
+              <a:rPr lang="sk-SK" sz="1200" dirty="0"/>
+              <a:t> do detských programov proti obezite preukázalo prínosy pre zníženie indexu telesnej hmotnosti ,zvýšenie fyzickej aktivity a zníženie času stráveného pri obrazovke.</a:t>
+            </a:r>
+          </a:p>
+          <a:p>
+            <a:r>
+              <a:rPr lang="sk-SK" sz="1200" dirty="0"/>
+              <a:t>Deti vo veku od 6 do 11 rokov , ktoré hrali </a:t>
+            </a:r>
+            <a:r>
+              <a:rPr lang="sk-SK" sz="1200" dirty="0" err="1"/>
+              <a:t>exergames</a:t>
+            </a:r>
+            <a:r>
+              <a:rPr lang="sk-SK" sz="1200" dirty="0"/>
+              <a:t>, mali vyšší energetický výdaj ako deti , ktoré tieto hry nehrali.</a:t>
+            </a:r>
+          </a:p>
+          <a:p>
+            <a:r>
+              <a:rPr lang="sk-SK" sz="1200" dirty="0"/>
+              <a:t>Mnohé výhody hier ako napríklad motivácia a zábava sa môžu kombinovať s pobytom vonku.</a:t>
+            </a:r>
+          </a:p>
+          <a:p>
+            <a:r>
+              <a:rPr lang="sk-SK" sz="1200" dirty="0"/>
+              <a:t>.</a:t>
+            </a:r>
+            <a:r>
+              <a:rPr lang="sk-SK" sz="1200" dirty="0" err="1"/>
+              <a:t>Exergames</a:t>
+            </a:r>
+            <a:r>
+              <a:rPr lang="sk-SK" sz="1200" dirty="0"/>
+              <a:t> častokrát vedú v domácich podmienkach k významným zmenám fyzickej aktivity, hmotnosti a kognitívnych funkcií. </a:t>
+            </a:r>
           </a:p>
         </p:txBody>
       </p:sp>
@@ -7985,7 +8325,7 @@
         </p:blipFill>
         <p:spPr>
           <a:xfrm>
-            <a:off x="20" y="10"/>
+            <a:off x="21" y="344394"/>
             <a:ext cx="12191979" cy="6857990"/>
           </a:xfrm>
           <a:prstGeom prst="rect">
@@ -8021,7 +8361,10 @@
           </a:bodyPr>
           <a:lstStyle/>
           <a:p>
-            <a:endParaRPr lang="sk-SK" sz="5000"/>
+            <a:r>
+              <a:rPr lang="sk-SK" sz="5000" dirty="0"/>
+              <a:t>Modifikácia hier pre zdravie v oblastiach bežného života</a:t>
+            </a:r>
           </a:p>
         </p:txBody>
       </p:sp>
@@ -8234,11 +8577,32 @@
         </p:spPr>
         <p:txBody>
           <a:bodyPr>
-            <a:normAutofit/>
+            <a:normAutofit lnSpcReduction="10000"/>
           </a:bodyPr>
           <a:lstStyle/>
           <a:p>
-            <a:endParaRPr lang="sk-SK" sz="2000"/>
+            <a:r>
+              <a:rPr lang="sk-SK" sz="2000" dirty="0"/>
+              <a:t>Hry pre zdravie ovplyvňujúce zdravotné prekurzory</a:t>
+            </a:r>
+          </a:p>
+          <a:p>
+            <a:r>
+              <a:rPr lang="sk-SK" sz="2000" dirty="0"/>
+              <a:t>Hranie hier tesne pred operáciou znížilo úzkosti pacientov, čo súviselo s lepšími zdravotnými výsledkami a skrátením dĺžky pohybu v nemocnici.</a:t>
+            </a:r>
+          </a:p>
+          <a:p>
+            <a:r>
+              <a:rPr lang="sk-SK" sz="2000" dirty="0"/>
+              <a:t>Hranie hier bolo navrhnuté ako metóda na vyvolanie fyziologických zmien, ktoré môžu zvýšiť odolnosť, znížiť strach a úzkosť a zlepšiť zdravie pacientov s rakovinou.</a:t>
+            </a:r>
+          </a:p>
+          <a:p>
+            <a:r>
+              <a:rPr lang="sk-SK" sz="2000" dirty="0"/>
+              <a:t>Interaktivita hier aktivovala oblasti mozgu , ktoré súviseli s pozitívnejším postojom k chemoterapii rakoviny.</a:t>
+            </a:r>
           </a:p>
         </p:txBody>
       </p:sp>
@@ -8618,6 +8982,45 @@
             <a:normAutofit/>
           </a:bodyPr>
           <a:lstStyle/>
+          <a:p>
+            <a:r>
+              <a:rPr lang="sk-SK" sz="2000" dirty="0"/>
+              <a:t>Proces zmien zapríčinených hrami pre zdravie.</a:t>
+            </a:r>
+          </a:p>
+          <a:p>
+            <a:r>
+              <a:rPr lang="sk-SK" sz="2000" dirty="0"/>
+              <a:t>Implikácia vo vývoji detí.</a:t>
+            </a:r>
+          </a:p>
+          <a:p>
+            <a:r>
+              <a:rPr lang="sk-SK" sz="2000" dirty="0"/>
+              <a:t>Financovanie vývoja hier</a:t>
+            </a:r>
+          </a:p>
+          <a:p>
+            <a:r>
+              <a:rPr lang="sk-SK" sz="2000" dirty="0" err="1"/>
+              <a:t>Commits</a:t>
+            </a:r>
+            <a:r>
+              <a:rPr lang="sk-SK" sz="2000" dirty="0"/>
+              <a:t> na </a:t>
+            </a:r>
+            <a:r>
+              <a:rPr lang="sk-SK" sz="2000" dirty="0" err="1"/>
+              <a:t>Github</a:t>
+            </a:r>
+            <a:endParaRPr lang="sk-SK" sz="2000" dirty="0"/>
+          </a:p>
+          <a:p>
+            <a:r>
+              <a:rPr lang="sk-SK" sz="2000" dirty="0"/>
+              <a:t>Dokončenie finálnej verzie článku.</a:t>
+            </a:r>
+          </a:p>
           <a:p>
             <a:endParaRPr lang="sk-SK" sz="2000" dirty="0"/>
           </a:p>
